--- a/14/beom/FireWall.pptx
+++ b/14/beom/FireWall.pptx
@@ -4,6 +4,9 @@
   <p:sldMasterIdLst>
     <p:sldMasterId id="2147483648" r:id="rId1"/>
   </p:sldMasterIdLst>
+  <p:notesMasterIdLst>
+    <p:notesMasterId r:id="rId10"/>
+  </p:notesMasterIdLst>
   <p:sldIdLst>
     <p:sldId id="257" r:id="rId2"/>
     <p:sldId id="259" r:id="rId3"/>
@@ -119,6 +122,1577 @@
 </p:presentation>
 </file>
 
+<file path=ppt/notesMasters/notesMaster1.xml><?xml version="1.0" encoding="utf-8"?>
+<p:notesMaster xmlns:a="http://schemas.openxmlformats.org/drawingml/2006/main" xmlns:r="http://schemas.openxmlformats.org/officeDocument/2006/relationships" xmlns:p="http://schemas.openxmlformats.org/presentationml/2006/main">
+  <p:cSld>
+    <p:bg>
+      <p:bgRef idx="1001">
+        <a:schemeClr val="bg1"/>
+      </p:bgRef>
+    </p:bg>
+    <p:spTree>
+      <p:nvGrpSpPr>
+        <p:cNvPr id="1" name=""/>
+        <p:cNvGrpSpPr/>
+        <p:nvPr/>
+      </p:nvGrpSpPr>
+      <p:grpSpPr>
+        <a:xfrm>
+          <a:off x="0" y="0"/>
+          <a:ext cx="0" cy="0"/>
+          <a:chOff x="0" y="0"/>
+          <a:chExt cx="0" cy="0"/>
+        </a:xfrm>
+      </p:grpSpPr>
+      <p:sp>
+        <p:nvSpPr>
+          <p:cNvPr id="2" name="머리글 개체 틀 1"/>
+          <p:cNvSpPr>
+            <a:spLocks noGrp="1"/>
+          </p:cNvSpPr>
+          <p:nvPr>
+            <p:ph type="hdr" sz="quarter"/>
+          </p:nvPr>
+        </p:nvSpPr>
+        <p:spPr>
+          <a:xfrm>
+            <a:off x="0" y="0"/>
+            <a:ext cx="2971800" cy="458788"/>
+          </a:xfrm>
+          <a:prstGeom prst="rect">
+            <a:avLst/>
+          </a:prstGeom>
+        </p:spPr>
+        <p:txBody>
+          <a:bodyPr vert="horz" lIns="91440" tIns="45720" rIns="91440" bIns="45720" rtlCol="0"/>
+          <a:lstStyle>
+            <a:lvl1pPr algn="l">
+              <a:defRPr sz="1200"/>
+            </a:lvl1pPr>
+          </a:lstStyle>
+          <a:p>
+            <a:endParaRPr lang="ko-KR" altLang="en-US"/>
+          </a:p>
+        </p:txBody>
+      </p:sp>
+      <p:sp>
+        <p:nvSpPr>
+          <p:cNvPr id="3" name="날짜 개체 틀 2"/>
+          <p:cNvSpPr>
+            <a:spLocks noGrp="1"/>
+          </p:cNvSpPr>
+          <p:nvPr>
+            <p:ph type="dt" idx="1"/>
+          </p:nvPr>
+        </p:nvSpPr>
+        <p:spPr>
+          <a:xfrm>
+            <a:off x="3884613" y="0"/>
+            <a:ext cx="2971800" cy="458788"/>
+          </a:xfrm>
+          <a:prstGeom prst="rect">
+            <a:avLst/>
+          </a:prstGeom>
+        </p:spPr>
+        <p:txBody>
+          <a:bodyPr vert="horz" lIns="91440" tIns="45720" rIns="91440" bIns="45720" rtlCol="0"/>
+          <a:lstStyle>
+            <a:lvl1pPr algn="r">
+              <a:defRPr sz="1200"/>
+            </a:lvl1pPr>
+          </a:lstStyle>
+          <a:p>
+            <a:fld id="{9EC67825-213B-41BD-96CD-8A4AC0128295}" type="datetimeFigureOut">
+              <a:rPr lang="ko-KR" altLang="en-US" smtClean="0"/>
+              <a:t>2022-03-31</a:t>
+            </a:fld>
+            <a:endParaRPr lang="ko-KR" altLang="en-US"/>
+          </a:p>
+        </p:txBody>
+      </p:sp>
+      <p:sp>
+        <p:nvSpPr>
+          <p:cNvPr id="4" name="슬라이드 이미지 개체 틀 3"/>
+          <p:cNvSpPr>
+            <a:spLocks noGrp="1" noRot="1" noChangeAspect="1"/>
+          </p:cNvSpPr>
+          <p:nvPr>
+            <p:ph type="sldImg" idx="2"/>
+          </p:nvPr>
+        </p:nvSpPr>
+        <p:spPr>
+          <a:xfrm>
+            <a:off x="685800" y="1143000"/>
+            <a:ext cx="5486400" cy="3086100"/>
+          </a:xfrm>
+          <a:prstGeom prst="rect">
+            <a:avLst/>
+          </a:prstGeom>
+          <a:noFill/>
+          <a:ln w="12700">
+            <a:solidFill>
+              <a:prstClr val="black"/>
+            </a:solidFill>
+          </a:ln>
+        </p:spPr>
+        <p:txBody>
+          <a:bodyPr vert="horz" lIns="91440" tIns="45720" rIns="91440" bIns="45720" rtlCol="0" anchor="ctr"/>
+          <a:lstStyle/>
+          <a:p>
+            <a:endParaRPr lang="ko-KR" altLang="en-US"/>
+          </a:p>
+        </p:txBody>
+      </p:sp>
+      <p:sp>
+        <p:nvSpPr>
+          <p:cNvPr id="5" name="슬라이드 노트 개체 틀 4"/>
+          <p:cNvSpPr>
+            <a:spLocks noGrp="1"/>
+          </p:cNvSpPr>
+          <p:nvPr>
+            <p:ph type="body" sz="quarter" idx="3"/>
+          </p:nvPr>
+        </p:nvSpPr>
+        <p:spPr>
+          <a:xfrm>
+            <a:off x="685800" y="4400550"/>
+            <a:ext cx="5486400" cy="3600450"/>
+          </a:xfrm>
+          <a:prstGeom prst="rect">
+            <a:avLst/>
+          </a:prstGeom>
+        </p:spPr>
+        <p:txBody>
+          <a:bodyPr vert="horz" lIns="91440" tIns="45720" rIns="91440" bIns="45720" rtlCol="0"/>
+          <a:lstStyle/>
+          <a:p>
+            <a:pPr lvl="0"/>
+            <a:r>
+              <a:rPr lang="ko-KR" altLang="en-US"/>
+              <a:t>마스터 텍스트 스타일을 편집하려면 클릭</a:t>
+            </a:r>
+          </a:p>
+          <a:p>
+            <a:pPr lvl="1"/>
+            <a:r>
+              <a:rPr lang="ko-KR" altLang="en-US"/>
+              <a:t>두 번째 수준</a:t>
+            </a:r>
+          </a:p>
+          <a:p>
+            <a:pPr lvl="2"/>
+            <a:r>
+              <a:rPr lang="ko-KR" altLang="en-US"/>
+              <a:t>세 번째 수준</a:t>
+            </a:r>
+          </a:p>
+          <a:p>
+            <a:pPr lvl="3"/>
+            <a:r>
+              <a:rPr lang="ko-KR" altLang="en-US"/>
+              <a:t>네 번째 수준</a:t>
+            </a:r>
+          </a:p>
+          <a:p>
+            <a:pPr lvl="4"/>
+            <a:r>
+              <a:rPr lang="ko-KR" altLang="en-US"/>
+              <a:t>다섯 번째 수준</a:t>
+            </a:r>
+          </a:p>
+        </p:txBody>
+      </p:sp>
+      <p:sp>
+        <p:nvSpPr>
+          <p:cNvPr id="6" name="바닥글 개체 틀 5"/>
+          <p:cNvSpPr>
+            <a:spLocks noGrp="1"/>
+          </p:cNvSpPr>
+          <p:nvPr>
+            <p:ph type="ftr" sz="quarter" idx="4"/>
+          </p:nvPr>
+        </p:nvSpPr>
+        <p:spPr>
+          <a:xfrm>
+            <a:off x="0" y="8685213"/>
+            <a:ext cx="2971800" cy="458787"/>
+          </a:xfrm>
+          <a:prstGeom prst="rect">
+            <a:avLst/>
+          </a:prstGeom>
+        </p:spPr>
+        <p:txBody>
+          <a:bodyPr vert="horz" lIns="91440" tIns="45720" rIns="91440" bIns="45720" rtlCol="0" anchor="b"/>
+          <a:lstStyle>
+            <a:lvl1pPr algn="l">
+              <a:defRPr sz="1200"/>
+            </a:lvl1pPr>
+          </a:lstStyle>
+          <a:p>
+            <a:endParaRPr lang="ko-KR" altLang="en-US"/>
+          </a:p>
+        </p:txBody>
+      </p:sp>
+      <p:sp>
+        <p:nvSpPr>
+          <p:cNvPr id="7" name="슬라이드 번호 개체 틀 6"/>
+          <p:cNvSpPr>
+            <a:spLocks noGrp="1"/>
+          </p:cNvSpPr>
+          <p:nvPr>
+            <p:ph type="sldNum" sz="quarter" idx="5"/>
+          </p:nvPr>
+        </p:nvSpPr>
+        <p:spPr>
+          <a:xfrm>
+            <a:off x="3884613" y="8685213"/>
+            <a:ext cx="2971800" cy="458787"/>
+          </a:xfrm>
+          <a:prstGeom prst="rect">
+            <a:avLst/>
+          </a:prstGeom>
+        </p:spPr>
+        <p:txBody>
+          <a:bodyPr vert="horz" lIns="91440" tIns="45720" rIns="91440" bIns="45720" rtlCol="0" anchor="b"/>
+          <a:lstStyle>
+            <a:lvl1pPr algn="r">
+              <a:defRPr sz="1200"/>
+            </a:lvl1pPr>
+          </a:lstStyle>
+          <a:p>
+            <a:fld id="{FD714C8C-8EF2-4694-8566-082A197CF473}" type="slidenum">
+              <a:rPr lang="ko-KR" altLang="en-US" smtClean="0"/>
+              <a:t>‹#›</a:t>
+            </a:fld>
+            <a:endParaRPr lang="ko-KR" altLang="en-US"/>
+          </a:p>
+        </p:txBody>
+      </p:sp>
+    </p:spTree>
+    <p:extLst>
+      <p:ext uri="{BB962C8B-B14F-4D97-AF65-F5344CB8AC3E}">
+        <p14:creationId xmlns:p14="http://schemas.microsoft.com/office/powerpoint/2010/main" val="2688697929"/>
+      </p:ext>
+    </p:extLst>
+  </p:cSld>
+  <p:clrMap bg1="lt1" tx1="dk1" bg2="lt2" tx2="dk2" accent1="accent1" accent2="accent2" accent3="accent3" accent4="accent4" accent5="accent5" accent6="accent6" hlink="hlink" folHlink="folHlink"/>
+  <p:notesStyle>
+    <a:lvl1pPr marL="0" algn="l" defTabSz="914400" rtl="0" eaLnBrk="1" latinLnBrk="1" hangingPunct="1">
+      <a:defRPr sz="1200" kern="1200">
+        <a:solidFill>
+          <a:schemeClr val="tx1"/>
+        </a:solidFill>
+        <a:latin typeface="+mn-lt"/>
+        <a:ea typeface="+mn-ea"/>
+        <a:cs typeface="+mn-cs"/>
+      </a:defRPr>
+    </a:lvl1pPr>
+    <a:lvl2pPr marL="457200" algn="l" defTabSz="914400" rtl="0" eaLnBrk="1" latinLnBrk="1" hangingPunct="1">
+      <a:defRPr sz="1200" kern="1200">
+        <a:solidFill>
+          <a:schemeClr val="tx1"/>
+        </a:solidFill>
+        <a:latin typeface="+mn-lt"/>
+        <a:ea typeface="+mn-ea"/>
+        <a:cs typeface="+mn-cs"/>
+      </a:defRPr>
+    </a:lvl2pPr>
+    <a:lvl3pPr marL="914400" algn="l" defTabSz="914400" rtl="0" eaLnBrk="1" latinLnBrk="1" hangingPunct="1">
+      <a:defRPr sz="1200" kern="1200">
+        <a:solidFill>
+          <a:schemeClr val="tx1"/>
+        </a:solidFill>
+        <a:latin typeface="+mn-lt"/>
+        <a:ea typeface="+mn-ea"/>
+        <a:cs typeface="+mn-cs"/>
+      </a:defRPr>
+    </a:lvl3pPr>
+    <a:lvl4pPr marL="1371600" algn="l" defTabSz="914400" rtl="0" eaLnBrk="1" latinLnBrk="1" hangingPunct="1">
+      <a:defRPr sz="1200" kern="1200">
+        <a:solidFill>
+          <a:schemeClr val="tx1"/>
+        </a:solidFill>
+        <a:latin typeface="+mn-lt"/>
+        <a:ea typeface="+mn-ea"/>
+        <a:cs typeface="+mn-cs"/>
+      </a:defRPr>
+    </a:lvl4pPr>
+    <a:lvl5pPr marL="1828800" algn="l" defTabSz="914400" rtl="0" eaLnBrk="1" latinLnBrk="1" hangingPunct="1">
+      <a:defRPr sz="1200" kern="1200">
+        <a:solidFill>
+          <a:schemeClr val="tx1"/>
+        </a:solidFill>
+        <a:latin typeface="+mn-lt"/>
+        <a:ea typeface="+mn-ea"/>
+        <a:cs typeface="+mn-cs"/>
+      </a:defRPr>
+    </a:lvl5pPr>
+    <a:lvl6pPr marL="2286000" algn="l" defTabSz="914400" rtl="0" eaLnBrk="1" latinLnBrk="1" hangingPunct="1">
+      <a:defRPr sz="1200" kern="1200">
+        <a:solidFill>
+          <a:schemeClr val="tx1"/>
+        </a:solidFill>
+        <a:latin typeface="+mn-lt"/>
+        <a:ea typeface="+mn-ea"/>
+        <a:cs typeface="+mn-cs"/>
+      </a:defRPr>
+    </a:lvl6pPr>
+    <a:lvl7pPr marL="2743200" algn="l" defTabSz="914400" rtl="0" eaLnBrk="1" latinLnBrk="1" hangingPunct="1">
+      <a:defRPr sz="1200" kern="1200">
+        <a:solidFill>
+          <a:schemeClr val="tx1"/>
+        </a:solidFill>
+        <a:latin typeface="+mn-lt"/>
+        <a:ea typeface="+mn-ea"/>
+        <a:cs typeface="+mn-cs"/>
+      </a:defRPr>
+    </a:lvl7pPr>
+    <a:lvl8pPr marL="3200400" algn="l" defTabSz="914400" rtl="0" eaLnBrk="1" latinLnBrk="1" hangingPunct="1">
+      <a:defRPr sz="1200" kern="1200">
+        <a:solidFill>
+          <a:schemeClr val="tx1"/>
+        </a:solidFill>
+        <a:latin typeface="+mn-lt"/>
+        <a:ea typeface="+mn-ea"/>
+        <a:cs typeface="+mn-cs"/>
+      </a:defRPr>
+    </a:lvl8pPr>
+    <a:lvl9pPr marL="3657600" algn="l" defTabSz="914400" rtl="0" eaLnBrk="1" latinLnBrk="1" hangingPunct="1">
+      <a:defRPr sz="1200" kern="1200">
+        <a:solidFill>
+          <a:schemeClr val="tx1"/>
+        </a:solidFill>
+        <a:latin typeface="+mn-lt"/>
+        <a:ea typeface="+mn-ea"/>
+        <a:cs typeface="+mn-cs"/>
+      </a:defRPr>
+    </a:lvl9pPr>
+  </p:notesStyle>
+</p:notesMaster>
+</file>
+
+<file path=ppt/notesSlides/notesSlide1.xml><?xml version="1.0" encoding="utf-8"?>
+<p:notes xmlns:a="http://schemas.openxmlformats.org/drawingml/2006/main" xmlns:r="http://schemas.openxmlformats.org/officeDocument/2006/relationships" xmlns:p="http://schemas.openxmlformats.org/presentationml/2006/main">
+  <p:cSld>
+    <p:spTree>
+      <p:nvGrpSpPr>
+        <p:cNvPr id="1" name=""/>
+        <p:cNvGrpSpPr/>
+        <p:nvPr/>
+      </p:nvGrpSpPr>
+      <p:grpSpPr>
+        <a:xfrm>
+          <a:off x="0" y="0"/>
+          <a:ext cx="0" cy="0"/>
+          <a:chOff x="0" y="0"/>
+          <a:chExt cx="0" cy="0"/>
+        </a:xfrm>
+      </p:grpSpPr>
+      <p:sp>
+        <p:nvSpPr>
+          <p:cNvPr id="2" name="슬라이드 이미지 개체 틀 1"/>
+          <p:cNvSpPr>
+            <a:spLocks noGrp="1" noRot="1" noChangeAspect="1"/>
+          </p:cNvSpPr>
+          <p:nvPr>
+            <p:ph type="sldImg"/>
+          </p:nvPr>
+        </p:nvSpPr>
+        <p:spPr/>
+      </p:sp>
+      <p:sp>
+        <p:nvSpPr>
+          <p:cNvPr id="3" name="슬라이드 노트 개체 틀 2"/>
+          <p:cNvSpPr>
+            <a:spLocks noGrp="1"/>
+          </p:cNvSpPr>
+          <p:nvPr>
+            <p:ph type="body" idx="1"/>
+          </p:nvPr>
+        </p:nvSpPr>
+        <p:spPr/>
+        <p:txBody>
+          <a:bodyPr/>
+          <a:lstStyle/>
+          <a:p>
+            <a:r>
+              <a:rPr lang="ko-KR" altLang="en-US" dirty="0"/>
+              <a:t>이 사진은 제 노트북에 방화벽 설정 화면입니다</a:t>
+            </a:r>
+            <a:r>
+              <a:rPr lang="en-US" altLang="ko-KR" dirty="0"/>
+              <a:t>.</a:t>
+            </a:r>
+          </a:p>
+          <a:p>
+            <a:endParaRPr lang="en-US" altLang="ko-KR" dirty="0"/>
+          </a:p>
+          <a:p>
+            <a:r>
+              <a:rPr lang="ko-KR" altLang="en-US" dirty="0"/>
+              <a:t>외부에서 내부로 들어오는 데이터를 차단하는 </a:t>
+            </a:r>
+            <a:r>
+              <a:rPr lang="ko-KR" altLang="en-US" dirty="0" err="1"/>
+              <a:t>인바운드</a:t>
+            </a:r>
+            <a:r>
+              <a:rPr lang="en-US" altLang="ko-KR" dirty="0"/>
+              <a:t>, </a:t>
+            </a:r>
+            <a:r>
+              <a:rPr lang="ko-KR" altLang="en-US" dirty="0"/>
+              <a:t>내부에서 외부로 나가는 </a:t>
+            </a:r>
+            <a:r>
+              <a:rPr lang="ko-KR" altLang="en-US" dirty="0" err="1"/>
+              <a:t>아웃바운드</a:t>
+            </a:r>
+            <a:r>
+              <a:rPr lang="ko-KR" altLang="en-US" dirty="0"/>
+              <a:t> 규칙으로 설정하여 네트워크로 들어오고 나가는 데이터에 대한 제어와 필터링을 합니다</a:t>
+            </a:r>
+            <a:r>
+              <a:rPr lang="en-US" altLang="ko-KR" dirty="0"/>
+              <a:t>.</a:t>
+            </a:r>
+          </a:p>
+          <a:p>
+            <a:pPr marL="0" marR="0" lvl="0" indent="0" algn="l" defTabSz="914400" rtl="0" eaLnBrk="1" fontAlgn="auto" latinLnBrk="1" hangingPunct="1">
+              <a:lnSpc>
+                <a:spcPct val="100000"/>
+              </a:lnSpc>
+              <a:spcBef>
+                <a:spcPts val="0"/>
+              </a:spcBef>
+              <a:spcAft>
+                <a:spcPts val="0"/>
+              </a:spcAft>
+              <a:buClrTx/>
+              <a:buSzTx/>
+              <a:buFontTx/>
+              <a:buNone/>
+              <a:tabLst/>
+              <a:defRPr/>
+            </a:pPr>
+            <a:r>
+              <a:rPr lang="ko-KR" altLang="en-US" b="0" dirty="0">
+                <a:solidFill>
+                  <a:srgbClr val="000000"/>
+                </a:solidFill>
+                <a:effectLst/>
+                <a:latin typeface="Consolas" panose="020B0609020204030204" pitchFamily="49" charset="0"/>
+              </a:rPr>
+              <a:t>대부분 </a:t>
+            </a:r>
+            <a:r>
+              <a:rPr lang="ko-KR" altLang="en-US" b="0" dirty="0" err="1">
+                <a:solidFill>
+                  <a:srgbClr val="000000"/>
+                </a:solidFill>
+                <a:effectLst/>
+                <a:latin typeface="Consolas" panose="020B0609020204030204" pitchFamily="49" charset="0"/>
+              </a:rPr>
+              <a:t>인바운드는</a:t>
+            </a:r>
+            <a:r>
+              <a:rPr lang="ko-KR" altLang="en-US" b="0" dirty="0">
+                <a:solidFill>
+                  <a:srgbClr val="000000"/>
+                </a:solidFill>
+                <a:effectLst/>
+                <a:latin typeface="Consolas" panose="020B0609020204030204" pitchFamily="49" charset="0"/>
+              </a:rPr>
+              <a:t> 차단되어 있고 </a:t>
+            </a:r>
+            <a:r>
+              <a:rPr lang="ko-KR" altLang="en-US" b="0" dirty="0" err="1">
+                <a:solidFill>
+                  <a:srgbClr val="000000"/>
+                </a:solidFill>
+                <a:effectLst/>
+                <a:latin typeface="Consolas" panose="020B0609020204030204" pitchFamily="49" charset="0"/>
+              </a:rPr>
+              <a:t>아웃바운드는</a:t>
+            </a:r>
+            <a:r>
+              <a:rPr lang="ko-KR" altLang="en-US" b="0" dirty="0">
+                <a:solidFill>
+                  <a:srgbClr val="000000"/>
+                </a:solidFill>
+                <a:effectLst/>
+                <a:latin typeface="Consolas" panose="020B0609020204030204" pitchFamily="49" charset="0"/>
+              </a:rPr>
+              <a:t> 거의 차단되어 있지 않다</a:t>
+            </a:r>
+            <a:r>
+              <a:rPr lang="en-US" altLang="ko-KR" b="0" dirty="0">
+                <a:solidFill>
+                  <a:srgbClr val="000000"/>
+                </a:solidFill>
+                <a:effectLst/>
+                <a:latin typeface="Consolas" panose="020B0609020204030204" pitchFamily="49" charset="0"/>
+              </a:rPr>
+              <a:t>.</a:t>
+            </a:r>
+          </a:p>
+          <a:p>
+            <a:endParaRPr lang="en-US" altLang="ko-KR" dirty="0"/>
+          </a:p>
+        </p:txBody>
+      </p:sp>
+      <p:sp>
+        <p:nvSpPr>
+          <p:cNvPr id="4" name="슬라이드 번호 개체 틀 3"/>
+          <p:cNvSpPr>
+            <a:spLocks noGrp="1"/>
+          </p:cNvSpPr>
+          <p:nvPr>
+            <p:ph type="sldNum" sz="quarter" idx="5"/>
+          </p:nvPr>
+        </p:nvSpPr>
+        <p:spPr/>
+        <p:txBody>
+          <a:bodyPr/>
+          <a:lstStyle/>
+          <a:p>
+            <a:fld id="{FD714C8C-8EF2-4694-8566-082A197CF473}" type="slidenum">
+              <a:rPr lang="ko-KR" altLang="en-US" smtClean="0"/>
+              <a:t>4</a:t>
+            </a:fld>
+            <a:endParaRPr lang="ko-KR" altLang="en-US"/>
+          </a:p>
+        </p:txBody>
+      </p:sp>
+    </p:spTree>
+    <p:extLst>
+      <p:ext uri="{BB962C8B-B14F-4D97-AF65-F5344CB8AC3E}">
+        <p14:creationId xmlns:p14="http://schemas.microsoft.com/office/powerpoint/2010/main" val="216838592"/>
+      </p:ext>
+    </p:extLst>
+  </p:cSld>
+  <p:clrMapOvr>
+    <a:masterClrMapping/>
+  </p:clrMapOvr>
+</p:notes>
+</file>
+
+<file path=ppt/notesSlides/notesSlide2.xml><?xml version="1.0" encoding="utf-8"?>
+<p:notes xmlns:a="http://schemas.openxmlformats.org/drawingml/2006/main" xmlns:r="http://schemas.openxmlformats.org/officeDocument/2006/relationships" xmlns:p="http://schemas.openxmlformats.org/presentationml/2006/main">
+  <p:cSld>
+    <p:spTree>
+      <p:nvGrpSpPr>
+        <p:cNvPr id="1" name=""/>
+        <p:cNvGrpSpPr/>
+        <p:nvPr/>
+      </p:nvGrpSpPr>
+      <p:grpSpPr>
+        <a:xfrm>
+          <a:off x="0" y="0"/>
+          <a:ext cx="0" cy="0"/>
+          <a:chOff x="0" y="0"/>
+          <a:chExt cx="0" cy="0"/>
+        </a:xfrm>
+      </p:grpSpPr>
+      <p:sp>
+        <p:nvSpPr>
+          <p:cNvPr id="2" name="슬라이드 이미지 개체 틀 1"/>
+          <p:cNvSpPr>
+            <a:spLocks noGrp="1" noRot="1" noChangeAspect="1"/>
+          </p:cNvSpPr>
+          <p:nvPr>
+            <p:ph type="sldImg"/>
+          </p:nvPr>
+        </p:nvSpPr>
+        <p:spPr/>
+      </p:sp>
+      <p:sp>
+        <p:nvSpPr>
+          <p:cNvPr id="3" name="슬라이드 노트 개체 틀 2"/>
+          <p:cNvSpPr>
+            <a:spLocks noGrp="1"/>
+          </p:cNvSpPr>
+          <p:nvPr>
+            <p:ph type="body" idx="1"/>
+          </p:nvPr>
+        </p:nvSpPr>
+        <p:spPr/>
+        <p:txBody>
+          <a:bodyPr/>
+          <a:lstStyle/>
+          <a:p>
+            <a:r>
+              <a:rPr lang="ko-KR" altLang="en-US" dirty="0"/>
+              <a:t>이 사진은 제 노트북에 방화벽 설정 화면입니다</a:t>
+            </a:r>
+            <a:r>
+              <a:rPr lang="en-US" altLang="ko-KR" dirty="0"/>
+              <a:t>.</a:t>
+            </a:r>
+          </a:p>
+          <a:p>
+            <a:endParaRPr lang="en-US" altLang="ko-KR" dirty="0"/>
+          </a:p>
+          <a:p>
+            <a:r>
+              <a:rPr lang="ko-KR" altLang="en-US" dirty="0"/>
+              <a:t>외부에서 내부로 들어오는 데이터를 차단하는 </a:t>
+            </a:r>
+            <a:r>
+              <a:rPr lang="ko-KR" altLang="en-US" dirty="0" err="1"/>
+              <a:t>인바운드</a:t>
+            </a:r>
+            <a:r>
+              <a:rPr lang="en-US" altLang="ko-KR" dirty="0"/>
+              <a:t>, </a:t>
+            </a:r>
+            <a:r>
+              <a:rPr lang="ko-KR" altLang="en-US" dirty="0"/>
+              <a:t>내부에서 외부로 나가는 </a:t>
+            </a:r>
+            <a:r>
+              <a:rPr lang="ko-KR" altLang="en-US" dirty="0" err="1"/>
+              <a:t>아웃바운드</a:t>
+            </a:r>
+            <a:r>
+              <a:rPr lang="ko-KR" altLang="en-US" dirty="0"/>
+              <a:t> 규칙으로 설정하여 네트워크로 들어오고 나가는 데이터에 대한 제어와 필터링을 합니다</a:t>
+            </a:r>
+            <a:r>
+              <a:rPr lang="en-US" altLang="ko-KR" dirty="0"/>
+              <a:t>.</a:t>
+            </a:r>
+          </a:p>
+          <a:p>
+            <a:pPr marL="0" marR="0" lvl="0" indent="0" algn="l" defTabSz="914400" rtl="0" eaLnBrk="1" fontAlgn="auto" latinLnBrk="1" hangingPunct="1">
+              <a:lnSpc>
+                <a:spcPct val="100000"/>
+              </a:lnSpc>
+              <a:spcBef>
+                <a:spcPts val="0"/>
+              </a:spcBef>
+              <a:spcAft>
+                <a:spcPts val="0"/>
+              </a:spcAft>
+              <a:buClrTx/>
+              <a:buSzTx/>
+              <a:buFontTx/>
+              <a:buNone/>
+              <a:tabLst/>
+              <a:defRPr/>
+            </a:pPr>
+            <a:r>
+              <a:rPr lang="ko-KR" altLang="en-US" b="0" dirty="0">
+                <a:solidFill>
+                  <a:srgbClr val="000000"/>
+                </a:solidFill>
+                <a:effectLst/>
+                <a:latin typeface="Consolas" panose="020B0609020204030204" pitchFamily="49" charset="0"/>
+              </a:rPr>
+              <a:t>대부분 </a:t>
+            </a:r>
+            <a:r>
+              <a:rPr lang="ko-KR" altLang="en-US" b="0" dirty="0" err="1">
+                <a:solidFill>
+                  <a:srgbClr val="000000"/>
+                </a:solidFill>
+                <a:effectLst/>
+                <a:latin typeface="Consolas" panose="020B0609020204030204" pitchFamily="49" charset="0"/>
+              </a:rPr>
+              <a:t>인바운드는</a:t>
+            </a:r>
+            <a:r>
+              <a:rPr lang="ko-KR" altLang="en-US" b="0" dirty="0">
+                <a:solidFill>
+                  <a:srgbClr val="000000"/>
+                </a:solidFill>
+                <a:effectLst/>
+                <a:latin typeface="Consolas" panose="020B0609020204030204" pitchFamily="49" charset="0"/>
+              </a:rPr>
+              <a:t> 차단되어 있고 </a:t>
+            </a:r>
+            <a:r>
+              <a:rPr lang="ko-KR" altLang="en-US" b="0" dirty="0" err="1">
+                <a:solidFill>
+                  <a:srgbClr val="000000"/>
+                </a:solidFill>
+                <a:effectLst/>
+                <a:latin typeface="Consolas" panose="020B0609020204030204" pitchFamily="49" charset="0"/>
+              </a:rPr>
+              <a:t>아웃바운드는</a:t>
+            </a:r>
+            <a:r>
+              <a:rPr lang="ko-KR" altLang="en-US" b="0" dirty="0">
+                <a:solidFill>
+                  <a:srgbClr val="000000"/>
+                </a:solidFill>
+                <a:effectLst/>
+                <a:latin typeface="Consolas" panose="020B0609020204030204" pitchFamily="49" charset="0"/>
+              </a:rPr>
+              <a:t> 거의 차단되어 있지 않다</a:t>
+            </a:r>
+            <a:r>
+              <a:rPr lang="en-US" altLang="ko-KR" b="0" dirty="0">
+                <a:solidFill>
+                  <a:srgbClr val="000000"/>
+                </a:solidFill>
+                <a:effectLst/>
+                <a:latin typeface="Consolas" panose="020B0609020204030204" pitchFamily="49" charset="0"/>
+              </a:rPr>
+              <a:t>.</a:t>
+            </a:r>
+          </a:p>
+          <a:p>
+            <a:endParaRPr lang="en-US" altLang="ko-KR" dirty="0"/>
+          </a:p>
+        </p:txBody>
+      </p:sp>
+      <p:sp>
+        <p:nvSpPr>
+          <p:cNvPr id="4" name="슬라이드 번호 개체 틀 3"/>
+          <p:cNvSpPr>
+            <a:spLocks noGrp="1"/>
+          </p:cNvSpPr>
+          <p:nvPr>
+            <p:ph type="sldNum" sz="quarter" idx="5"/>
+          </p:nvPr>
+        </p:nvSpPr>
+        <p:spPr/>
+        <p:txBody>
+          <a:bodyPr/>
+          <a:lstStyle/>
+          <a:p>
+            <a:fld id="{FD714C8C-8EF2-4694-8566-082A197CF473}" type="slidenum">
+              <a:rPr lang="ko-KR" altLang="en-US" smtClean="0"/>
+              <a:t>5</a:t>
+            </a:fld>
+            <a:endParaRPr lang="ko-KR" altLang="en-US"/>
+          </a:p>
+        </p:txBody>
+      </p:sp>
+    </p:spTree>
+    <p:extLst>
+      <p:ext uri="{BB962C8B-B14F-4D97-AF65-F5344CB8AC3E}">
+        <p14:creationId xmlns:p14="http://schemas.microsoft.com/office/powerpoint/2010/main" val="3459793721"/>
+      </p:ext>
+    </p:extLst>
+  </p:cSld>
+  <p:clrMapOvr>
+    <a:masterClrMapping/>
+  </p:clrMapOvr>
+</p:notes>
+</file>
+
+<file path=ppt/notesSlides/notesSlide3.xml><?xml version="1.0" encoding="utf-8"?>
+<p:notes xmlns:a="http://schemas.openxmlformats.org/drawingml/2006/main" xmlns:r="http://schemas.openxmlformats.org/officeDocument/2006/relationships" xmlns:p="http://schemas.openxmlformats.org/presentationml/2006/main">
+  <p:cSld>
+    <p:spTree>
+      <p:nvGrpSpPr>
+        <p:cNvPr id="1" name=""/>
+        <p:cNvGrpSpPr/>
+        <p:nvPr/>
+      </p:nvGrpSpPr>
+      <p:grpSpPr>
+        <a:xfrm>
+          <a:off x="0" y="0"/>
+          <a:ext cx="0" cy="0"/>
+          <a:chOff x="0" y="0"/>
+          <a:chExt cx="0" cy="0"/>
+        </a:xfrm>
+      </p:grpSpPr>
+      <p:sp>
+        <p:nvSpPr>
+          <p:cNvPr id="2" name="슬라이드 이미지 개체 틀 1"/>
+          <p:cNvSpPr>
+            <a:spLocks noGrp="1" noRot="1" noChangeAspect="1"/>
+          </p:cNvSpPr>
+          <p:nvPr>
+            <p:ph type="sldImg"/>
+          </p:nvPr>
+        </p:nvSpPr>
+        <p:spPr/>
+      </p:sp>
+      <p:sp>
+        <p:nvSpPr>
+          <p:cNvPr id="3" name="슬라이드 노트 개체 틀 2"/>
+          <p:cNvSpPr>
+            <a:spLocks noGrp="1"/>
+          </p:cNvSpPr>
+          <p:nvPr>
+            <p:ph type="body" idx="1"/>
+          </p:nvPr>
+        </p:nvSpPr>
+        <p:spPr/>
+        <p:txBody>
+          <a:bodyPr/>
+          <a:lstStyle/>
+          <a:p>
+            <a:pPr marL="0" marR="0" lvl="0" indent="0" algn="l" defTabSz="914400" rtl="0" eaLnBrk="1" fontAlgn="auto" latinLnBrk="1" hangingPunct="1">
+              <a:lnSpc>
+                <a:spcPct val="100000"/>
+              </a:lnSpc>
+              <a:spcBef>
+                <a:spcPts val="0"/>
+              </a:spcBef>
+              <a:spcAft>
+                <a:spcPts val="0"/>
+              </a:spcAft>
+              <a:buClrTx/>
+              <a:buSzTx/>
+              <a:buFontTx/>
+              <a:buNone/>
+              <a:tabLst/>
+              <a:defRPr/>
+            </a:pPr>
+            <a:r>
+              <a:rPr lang="ko-KR" altLang="en-US" b="0" dirty="0">
+                <a:solidFill>
+                  <a:srgbClr val="000000"/>
+                </a:solidFill>
+                <a:effectLst/>
+                <a:latin typeface="Consolas" panose="020B0609020204030204" pitchFamily="49" charset="0"/>
+              </a:rPr>
+              <a:t>방화벽은 특정 서버와 해당 서버 안의 특정 어플리케이션에 액세스 하는 패킷만 통과하고 나머지는 차단합니다</a:t>
+            </a:r>
+            <a:r>
+              <a:rPr lang="en-US" altLang="ko-KR" b="0" dirty="0">
+                <a:solidFill>
+                  <a:srgbClr val="000000"/>
+                </a:solidFill>
+                <a:effectLst/>
+                <a:latin typeface="Consolas" panose="020B0609020204030204" pitchFamily="49" charset="0"/>
+              </a:rPr>
+              <a:t>.</a:t>
+            </a:r>
+          </a:p>
+          <a:p>
+            <a:pPr marL="0" marR="0" lvl="0" indent="0" algn="l" defTabSz="914400" rtl="0" eaLnBrk="1" fontAlgn="auto" latinLnBrk="1" hangingPunct="1">
+              <a:lnSpc>
+                <a:spcPct val="100000"/>
+              </a:lnSpc>
+              <a:spcBef>
+                <a:spcPts val="0"/>
+              </a:spcBef>
+              <a:spcAft>
+                <a:spcPts val="0"/>
+              </a:spcAft>
+              <a:buClrTx/>
+              <a:buSzTx/>
+              <a:buFontTx/>
+              <a:buNone/>
+              <a:tabLst/>
+              <a:defRPr/>
+            </a:pPr>
+            <a:r>
+              <a:rPr lang="ko-KR" altLang="en-US" b="0" dirty="0">
+                <a:solidFill>
+                  <a:srgbClr val="000000"/>
+                </a:solidFill>
+                <a:effectLst/>
+                <a:latin typeface="Consolas" panose="020B0609020204030204" pitchFamily="49" charset="0"/>
+              </a:rPr>
+              <a:t>패킷 필터링은 </a:t>
+            </a:r>
+            <a:r>
+              <a:rPr lang="en-US" altLang="ko-KR" b="0" dirty="0">
+                <a:solidFill>
+                  <a:srgbClr val="000000"/>
+                </a:solidFill>
+                <a:effectLst/>
+                <a:latin typeface="Consolas" panose="020B0609020204030204" pitchFamily="49" charset="0"/>
+              </a:rPr>
+              <a:t>MAC</a:t>
+            </a:r>
+            <a:r>
+              <a:rPr lang="ko-KR" altLang="en-US" b="0" dirty="0">
+                <a:solidFill>
+                  <a:srgbClr val="000000"/>
+                </a:solidFill>
+                <a:effectLst/>
+                <a:latin typeface="Consolas" panose="020B0609020204030204" pitchFamily="49" charset="0"/>
+              </a:rPr>
+              <a:t>헤더</a:t>
+            </a:r>
+            <a:r>
+              <a:rPr lang="en-US" altLang="ko-KR" b="0" dirty="0">
+                <a:solidFill>
+                  <a:srgbClr val="000000"/>
+                </a:solidFill>
+                <a:effectLst/>
+                <a:latin typeface="Consolas" panose="020B0609020204030204" pitchFamily="49" charset="0"/>
+              </a:rPr>
+              <a:t>, IP</a:t>
+            </a:r>
+            <a:r>
+              <a:rPr lang="ko-KR" altLang="en-US" b="0" dirty="0">
+                <a:solidFill>
+                  <a:srgbClr val="000000"/>
+                </a:solidFill>
+                <a:effectLst/>
+                <a:latin typeface="Consolas" panose="020B0609020204030204" pitchFamily="49" charset="0"/>
+              </a:rPr>
+              <a:t>헤더</a:t>
+            </a:r>
+            <a:r>
+              <a:rPr lang="en-US" altLang="ko-KR" b="0" dirty="0">
+                <a:solidFill>
+                  <a:srgbClr val="000000"/>
+                </a:solidFill>
+                <a:effectLst/>
+                <a:latin typeface="Consolas" panose="020B0609020204030204" pitchFamily="49" charset="0"/>
+              </a:rPr>
+              <a:t>, TCP</a:t>
+            </a:r>
+            <a:r>
+              <a:rPr lang="ko-KR" altLang="en-US" b="0" dirty="0">
+                <a:solidFill>
+                  <a:srgbClr val="000000"/>
+                </a:solidFill>
+                <a:effectLst/>
+                <a:latin typeface="Consolas" panose="020B0609020204030204" pitchFamily="49" charset="0"/>
+              </a:rPr>
+              <a:t>헤더</a:t>
+            </a:r>
+            <a:r>
+              <a:rPr lang="en-US" altLang="ko-KR" b="0" dirty="0">
+                <a:solidFill>
+                  <a:srgbClr val="000000"/>
+                </a:solidFill>
+                <a:effectLst/>
+                <a:latin typeface="Consolas" panose="020B0609020204030204" pitchFamily="49" charset="0"/>
+              </a:rPr>
+              <a:t>, UDP</a:t>
+            </a:r>
+            <a:r>
+              <a:rPr lang="ko-KR" altLang="en-US" b="0" dirty="0">
+                <a:solidFill>
+                  <a:srgbClr val="000000"/>
+                </a:solidFill>
+                <a:effectLst/>
+                <a:latin typeface="Consolas" panose="020B0609020204030204" pitchFamily="49" charset="0"/>
+              </a:rPr>
+              <a:t>헤더에 있는 제어 정보들을 통해 필터링 조건을 사용합니다</a:t>
+            </a:r>
+            <a:r>
+              <a:rPr lang="en-US" altLang="ko-KR" b="0" dirty="0">
+                <a:solidFill>
+                  <a:srgbClr val="000000"/>
+                </a:solidFill>
+                <a:effectLst/>
+                <a:latin typeface="Consolas" panose="020B0609020204030204" pitchFamily="49" charset="0"/>
+              </a:rPr>
+              <a:t>.</a:t>
+            </a:r>
+          </a:p>
+          <a:p>
+            <a:pPr marL="0" marR="0" lvl="0" indent="0" algn="l" defTabSz="914400" rtl="0" eaLnBrk="1" fontAlgn="auto" latinLnBrk="1" hangingPunct="1">
+              <a:lnSpc>
+                <a:spcPct val="100000"/>
+              </a:lnSpc>
+              <a:spcBef>
+                <a:spcPts val="0"/>
+              </a:spcBef>
+              <a:spcAft>
+                <a:spcPts val="0"/>
+              </a:spcAft>
+              <a:buClrTx/>
+              <a:buSzTx/>
+              <a:buFontTx/>
+              <a:buNone/>
+              <a:tabLst/>
+              <a:defRPr/>
+            </a:pPr>
+            <a:r>
+              <a:rPr lang="ko-KR" altLang="en-US" b="0" dirty="0">
+                <a:solidFill>
+                  <a:srgbClr val="000000"/>
+                </a:solidFill>
+                <a:effectLst/>
+                <a:latin typeface="Consolas" panose="020B0609020204030204" pitchFamily="49" charset="0"/>
+              </a:rPr>
+              <a:t>대표적으로 위 사진 표에 있는 송</a:t>
+            </a:r>
+            <a:r>
+              <a:rPr lang="en-US" altLang="ko-KR" b="0" dirty="0">
+                <a:solidFill>
+                  <a:srgbClr val="000000"/>
+                </a:solidFill>
+                <a:effectLst/>
+                <a:latin typeface="Consolas" panose="020B0609020204030204" pitchFamily="49" charset="0"/>
+              </a:rPr>
+              <a:t>,</a:t>
+            </a:r>
+            <a:r>
+              <a:rPr lang="ko-KR" altLang="en-US" b="0" dirty="0">
+                <a:solidFill>
+                  <a:srgbClr val="000000"/>
+                </a:solidFill>
+                <a:effectLst/>
+                <a:latin typeface="Consolas" panose="020B0609020204030204" pitchFamily="49" charset="0"/>
+              </a:rPr>
+              <a:t>수신 </a:t>
+            </a:r>
+            <a:r>
+              <a:rPr lang="en-US" altLang="ko-KR" b="0" dirty="0">
+                <a:solidFill>
+                  <a:srgbClr val="000000"/>
+                </a:solidFill>
+                <a:effectLst/>
+                <a:latin typeface="Consolas" panose="020B0609020204030204" pitchFamily="49" charset="0"/>
+              </a:rPr>
+              <a:t>IP</a:t>
+            </a:r>
+            <a:r>
+              <a:rPr lang="ko-KR" altLang="en-US" b="0" dirty="0">
+                <a:solidFill>
+                  <a:srgbClr val="000000"/>
+                </a:solidFill>
+                <a:effectLst/>
+                <a:latin typeface="Consolas" panose="020B0609020204030204" pitchFamily="49" charset="0"/>
+              </a:rPr>
+              <a:t>주소와 포트 번호</a:t>
+            </a:r>
+            <a:r>
+              <a:rPr lang="en-US" altLang="ko-KR" b="0" dirty="0">
+                <a:solidFill>
+                  <a:srgbClr val="000000"/>
+                </a:solidFill>
+                <a:effectLst/>
+                <a:latin typeface="Consolas" panose="020B0609020204030204" pitchFamily="49" charset="0"/>
+              </a:rPr>
+              <a:t>, TCP</a:t>
+            </a:r>
+            <a:r>
+              <a:rPr lang="ko-KR" altLang="en-US" b="0" dirty="0">
+                <a:solidFill>
+                  <a:srgbClr val="000000"/>
+                </a:solidFill>
+                <a:effectLst/>
+                <a:latin typeface="Consolas" panose="020B0609020204030204" pitchFamily="49" charset="0"/>
+              </a:rPr>
+              <a:t>컨트롤 비트 들을 사용합니다</a:t>
+            </a:r>
+            <a:r>
+              <a:rPr lang="en-US" altLang="ko-KR" b="0" dirty="0">
+                <a:solidFill>
+                  <a:srgbClr val="000000"/>
+                </a:solidFill>
+                <a:effectLst/>
+                <a:latin typeface="Consolas" panose="020B0609020204030204" pitchFamily="49" charset="0"/>
+              </a:rPr>
+              <a:t>.</a:t>
+            </a:r>
+          </a:p>
+          <a:p>
+            <a:endParaRPr lang="ko-KR" altLang="en-US" dirty="0"/>
+          </a:p>
+        </p:txBody>
+      </p:sp>
+      <p:sp>
+        <p:nvSpPr>
+          <p:cNvPr id="4" name="슬라이드 번호 개체 틀 3"/>
+          <p:cNvSpPr>
+            <a:spLocks noGrp="1"/>
+          </p:cNvSpPr>
+          <p:nvPr>
+            <p:ph type="sldNum" sz="quarter" idx="5"/>
+          </p:nvPr>
+        </p:nvSpPr>
+        <p:spPr/>
+        <p:txBody>
+          <a:bodyPr/>
+          <a:lstStyle/>
+          <a:p>
+            <a:fld id="{FD714C8C-8EF2-4694-8566-082A197CF473}" type="slidenum">
+              <a:rPr lang="ko-KR" altLang="en-US" smtClean="0"/>
+              <a:t>6</a:t>
+            </a:fld>
+            <a:endParaRPr lang="ko-KR" altLang="en-US"/>
+          </a:p>
+        </p:txBody>
+      </p:sp>
+    </p:spTree>
+    <p:extLst>
+      <p:ext uri="{BB962C8B-B14F-4D97-AF65-F5344CB8AC3E}">
+        <p14:creationId xmlns:p14="http://schemas.microsoft.com/office/powerpoint/2010/main" val="3793633996"/>
+      </p:ext>
+    </p:extLst>
+  </p:cSld>
+  <p:clrMapOvr>
+    <a:masterClrMapping/>
+  </p:clrMapOvr>
+</p:notes>
+</file>
+
+<file path=ppt/notesSlides/notesSlide4.xml><?xml version="1.0" encoding="utf-8"?>
+<p:notes xmlns:a="http://schemas.openxmlformats.org/drawingml/2006/main" xmlns:r="http://schemas.openxmlformats.org/officeDocument/2006/relationships" xmlns:p="http://schemas.openxmlformats.org/presentationml/2006/main">
+  <p:cSld>
+    <p:spTree>
+      <p:nvGrpSpPr>
+        <p:cNvPr id="1" name=""/>
+        <p:cNvGrpSpPr/>
+        <p:nvPr/>
+      </p:nvGrpSpPr>
+      <p:grpSpPr>
+        <a:xfrm>
+          <a:off x="0" y="0"/>
+          <a:ext cx="0" cy="0"/>
+          <a:chOff x="0" y="0"/>
+          <a:chExt cx="0" cy="0"/>
+        </a:xfrm>
+      </p:grpSpPr>
+      <p:sp>
+        <p:nvSpPr>
+          <p:cNvPr id="2" name="슬라이드 이미지 개체 틀 1"/>
+          <p:cNvSpPr>
+            <a:spLocks noGrp="1" noRot="1" noChangeAspect="1"/>
+          </p:cNvSpPr>
+          <p:nvPr>
+            <p:ph type="sldImg"/>
+          </p:nvPr>
+        </p:nvSpPr>
+        <p:spPr/>
+      </p:sp>
+      <p:sp>
+        <p:nvSpPr>
+          <p:cNvPr id="3" name="슬라이드 노트 개체 틀 2"/>
+          <p:cNvSpPr>
+            <a:spLocks noGrp="1"/>
+          </p:cNvSpPr>
+          <p:nvPr>
+            <p:ph type="body" idx="1"/>
+          </p:nvPr>
+        </p:nvSpPr>
+        <p:spPr/>
+        <p:txBody>
+          <a:bodyPr/>
+          <a:lstStyle/>
+          <a:p>
+            <a:r>
+              <a:rPr lang="ko-KR" altLang="en-US" b="0" dirty="0">
+                <a:solidFill>
+                  <a:srgbClr val="000000"/>
+                </a:solidFill>
+                <a:effectLst/>
+                <a:latin typeface="Consolas" panose="020B0609020204030204" pitchFamily="49" charset="0"/>
+              </a:rPr>
+              <a:t>결론부터 이야기 하면 </a:t>
+            </a:r>
+            <a:r>
+              <a:rPr lang="ko-KR" altLang="en-US" b="1" dirty="0">
+                <a:solidFill>
+                  <a:srgbClr val="000080"/>
+                </a:solidFill>
+                <a:effectLst/>
+                <a:latin typeface="Consolas" panose="020B0609020204030204" pitchFamily="49" charset="0"/>
+              </a:rPr>
+              <a:t>**불가능**</a:t>
+            </a:r>
+            <a:r>
+              <a:rPr lang="ko-KR" altLang="en-US" b="0" dirty="0">
+                <a:solidFill>
+                  <a:srgbClr val="000000"/>
+                </a:solidFill>
+                <a:effectLst/>
+                <a:latin typeface="Consolas" panose="020B0609020204030204" pitchFamily="49" charset="0"/>
+              </a:rPr>
+              <a:t>하다</a:t>
+            </a:r>
+            <a:r>
+              <a:rPr lang="en-US" altLang="ko-KR" b="0" dirty="0">
+                <a:solidFill>
+                  <a:srgbClr val="000000"/>
+                </a:solidFill>
+                <a:effectLst/>
+                <a:latin typeface="Consolas" panose="020B0609020204030204" pitchFamily="49" charset="0"/>
+              </a:rPr>
+              <a:t>.</a:t>
+            </a:r>
+            <a:r>
+              <a:rPr lang="en-US" altLang="ko-KR" b="0" dirty="0">
+                <a:solidFill>
+                  <a:srgbClr val="800000"/>
+                </a:solidFill>
+                <a:effectLst/>
+                <a:latin typeface="Consolas" panose="020B0609020204030204" pitchFamily="49" charset="0"/>
+              </a:rPr>
+              <a:t>&lt;/</a:t>
+            </a:r>
+            <a:r>
+              <a:rPr lang="en-US" altLang="ko-KR" b="0" dirty="0" err="1">
+                <a:solidFill>
+                  <a:srgbClr val="800000"/>
+                </a:solidFill>
+                <a:effectLst/>
+                <a:latin typeface="Consolas" panose="020B0609020204030204" pitchFamily="49" charset="0"/>
+              </a:rPr>
+              <a:t>br</a:t>
+            </a:r>
+            <a:r>
+              <a:rPr lang="en-US" altLang="ko-KR" b="0" dirty="0">
+                <a:solidFill>
+                  <a:srgbClr val="800000"/>
+                </a:solidFill>
+                <a:effectLst/>
+                <a:latin typeface="Consolas" panose="020B0609020204030204" pitchFamily="49" charset="0"/>
+              </a:rPr>
+              <a:t>&gt;</a:t>
+            </a:r>
+            <a:endParaRPr lang="ko-KR" altLang="en-US" b="0" dirty="0">
+              <a:solidFill>
+                <a:srgbClr val="000000"/>
+              </a:solidFill>
+              <a:effectLst/>
+              <a:latin typeface="Consolas" panose="020B0609020204030204" pitchFamily="49" charset="0"/>
+            </a:endParaRPr>
+          </a:p>
+          <a:p>
+            <a:r>
+              <a:rPr lang="ko-KR" altLang="en-US" b="0" dirty="0">
+                <a:solidFill>
+                  <a:srgbClr val="000000"/>
+                </a:solidFill>
+                <a:effectLst/>
+                <a:latin typeface="Consolas" panose="020B0609020204030204" pitchFamily="49" charset="0"/>
+              </a:rPr>
+              <a:t>사내 </a:t>
+            </a:r>
+            <a:r>
+              <a:rPr lang="en-US" altLang="ko-KR" b="0" dirty="0">
+                <a:solidFill>
+                  <a:srgbClr val="000000"/>
+                </a:solidFill>
+                <a:effectLst/>
+                <a:latin typeface="Consolas" panose="020B0609020204030204" pitchFamily="49" charset="0"/>
+              </a:rPr>
+              <a:t>LAN</a:t>
+            </a:r>
+            <a:r>
+              <a:rPr lang="ko-KR" altLang="en-US" b="0" dirty="0">
+                <a:solidFill>
+                  <a:srgbClr val="000000"/>
+                </a:solidFill>
+                <a:effectLst/>
+                <a:latin typeface="Consolas" panose="020B0609020204030204" pitchFamily="49" charset="0"/>
+              </a:rPr>
+              <a:t>은 프라이비트 주소를 사용하고 라우터의 의해 글로벌 주소로 변환되어 나간다고 배웠습니다</a:t>
+            </a:r>
+            <a:r>
+              <a:rPr lang="en-US" altLang="ko-KR" b="0" dirty="0">
+                <a:solidFill>
+                  <a:srgbClr val="000000"/>
+                </a:solidFill>
+                <a:effectLst/>
+                <a:latin typeface="Consolas" panose="020B0609020204030204" pitchFamily="49" charset="0"/>
+              </a:rPr>
+              <a:t>.</a:t>
+            </a:r>
+            <a:endParaRPr lang="ko-KR" altLang="en-US" b="0" dirty="0">
+              <a:solidFill>
+                <a:srgbClr val="000000"/>
+              </a:solidFill>
+              <a:effectLst/>
+              <a:latin typeface="Consolas" panose="020B0609020204030204" pitchFamily="49" charset="0"/>
+            </a:endParaRPr>
+          </a:p>
+          <a:p>
+            <a:br>
+              <a:rPr lang="ko-KR" altLang="en-US" b="0" dirty="0">
+                <a:solidFill>
+                  <a:srgbClr val="000000"/>
+                </a:solidFill>
+                <a:effectLst/>
+                <a:latin typeface="Consolas" panose="020B0609020204030204" pitchFamily="49" charset="0"/>
+              </a:rPr>
+            </a:br>
+            <a:r>
+              <a:rPr lang="ko-KR" altLang="en-US" b="0" dirty="0">
+                <a:solidFill>
+                  <a:srgbClr val="000000"/>
+                </a:solidFill>
+                <a:effectLst/>
+                <a:latin typeface="Consolas" panose="020B0609020204030204" pitchFamily="49" charset="0"/>
+              </a:rPr>
+              <a:t>하지만 반대로 인터넷에서 사내 </a:t>
+            </a:r>
+            <a:r>
+              <a:rPr lang="en-US" altLang="ko-KR" b="0" dirty="0">
+                <a:solidFill>
+                  <a:srgbClr val="000000"/>
+                </a:solidFill>
+                <a:effectLst/>
+                <a:latin typeface="Consolas" panose="020B0609020204030204" pitchFamily="49" charset="0"/>
+              </a:rPr>
+              <a:t>LAN</a:t>
+            </a:r>
+            <a:r>
+              <a:rPr lang="ko-KR" altLang="en-US" b="0" dirty="0">
+                <a:solidFill>
+                  <a:srgbClr val="000000"/>
+                </a:solidFill>
+                <a:effectLst/>
+                <a:latin typeface="Consolas" panose="020B0609020204030204" pitchFamily="49" charset="0"/>
+              </a:rPr>
+              <a:t>으로 경우 주소 변환을 </a:t>
+            </a:r>
+            <a:r>
+              <a:rPr lang="ko-KR" altLang="en-US" b="0" dirty="0" err="1">
+                <a:solidFill>
+                  <a:srgbClr val="000000"/>
+                </a:solidFill>
+                <a:effectLst/>
+                <a:latin typeface="Consolas" panose="020B0609020204030204" pitchFamily="49" charset="0"/>
+              </a:rPr>
+              <a:t>안한</a:t>
+            </a:r>
+            <a:r>
+              <a:rPr lang="ko-KR" altLang="en-US" b="0" dirty="0">
+                <a:solidFill>
+                  <a:srgbClr val="000000"/>
+                </a:solidFill>
+                <a:effectLst/>
+                <a:latin typeface="Consolas" panose="020B0609020204030204" pitchFamily="49" charset="0"/>
+              </a:rPr>
+              <a:t> 글로벌 주소이기 때문에 인터넷에 있는 패킷을 사내 </a:t>
+            </a:r>
+            <a:r>
+              <a:rPr lang="en-US" altLang="ko-KR" b="0" dirty="0">
+                <a:solidFill>
+                  <a:srgbClr val="000000"/>
+                </a:solidFill>
+                <a:effectLst/>
+                <a:latin typeface="Consolas" panose="020B0609020204030204" pitchFamily="49" charset="0"/>
+              </a:rPr>
+              <a:t>LAN</a:t>
+            </a:r>
+            <a:r>
+              <a:rPr lang="ko-KR" altLang="en-US" b="0" dirty="0">
+                <a:solidFill>
+                  <a:srgbClr val="000000"/>
+                </a:solidFill>
+                <a:effectLst/>
+                <a:latin typeface="Consolas" panose="020B0609020204030204" pitchFamily="49" charset="0"/>
+              </a:rPr>
+              <a:t>을 찾지 못합니다</a:t>
+            </a:r>
+            <a:r>
+              <a:rPr lang="en-US" altLang="ko-KR" b="0" dirty="0">
+                <a:solidFill>
+                  <a:srgbClr val="000000"/>
+                </a:solidFill>
+                <a:effectLst/>
+                <a:latin typeface="Consolas" panose="020B0609020204030204" pitchFamily="49" charset="0"/>
+              </a:rPr>
+              <a:t>.</a:t>
+            </a:r>
+          </a:p>
+          <a:p>
+            <a:endParaRPr lang="ko-KR" altLang="en-US" dirty="0"/>
+          </a:p>
+        </p:txBody>
+      </p:sp>
+      <p:sp>
+        <p:nvSpPr>
+          <p:cNvPr id="4" name="슬라이드 번호 개체 틀 3"/>
+          <p:cNvSpPr>
+            <a:spLocks noGrp="1"/>
+          </p:cNvSpPr>
+          <p:nvPr>
+            <p:ph type="sldNum" sz="quarter" idx="5"/>
+          </p:nvPr>
+        </p:nvSpPr>
+        <p:spPr/>
+        <p:txBody>
+          <a:bodyPr/>
+          <a:lstStyle/>
+          <a:p>
+            <a:fld id="{FD714C8C-8EF2-4694-8566-082A197CF473}" type="slidenum">
+              <a:rPr lang="ko-KR" altLang="en-US" smtClean="0"/>
+              <a:t>7</a:t>
+            </a:fld>
+            <a:endParaRPr lang="ko-KR" altLang="en-US"/>
+          </a:p>
+        </p:txBody>
+      </p:sp>
+    </p:spTree>
+    <p:extLst>
+      <p:ext uri="{BB962C8B-B14F-4D97-AF65-F5344CB8AC3E}">
+        <p14:creationId xmlns:p14="http://schemas.microsoft.com/office/powerpoint/2010/main" val="1773519568"/>
+      </p:ext>
+    </p:extLst>
+  </p:cSld>
+  <p:clrMapOvr>
+    <a:masterClrMapping/>
+  </p:clrMapOvr>
+</p:notes>
+</file>
+
+<file path=ppt/notesSlides/notesSlide5.xml><?xml version="1.0" encoding="utf-8"?>
+<p:notes xmlns:a="http://schemas.openxmlformats.org/drawingml/2006/main" xmlns:r="http://schemas.openxmlformats.org/officeDocument/2006/relationships" xmlns:p="http://schemas.openxmlformats.org/presentationml/2006/main">
+  <p:cSld>
+    <p:spTree>
+      <p:nvGrpSpPr>
+        <p:cNvPr id="1" name=""/>
+        <p:cNvGrpSpPr/>
+        <p:nvPr/>
+      </p:nvGrpSpPr>
+      <p:grpSpPr>
+        <a:xfrm>
+          <a:off x="0" y="0"/>
+          <a:ext cx="0" cy="0"/>
+          <a:chOff x="0" y="0"/>
+          <a:chExt cx="0" cy="0"/>
+        </a:xfrm>
+      </p:grpSpPr>
+      <p:sp>
+        <p:nvSpPr>
+          <p:cNvPr id="2" name="슬라이드 이미지 개체 틀 1"/>
+          <p:cNvSpPr>
+            <a:spLocks noGrp="1" noRot="1" noChangeAspect="1"/>
+          </p:cNvSpPr>
+          <p:nvPr>
+            <p:ph type="sldImg"/>
+          </p:nvPr>
+        </p:nvSpPr>
+        <p:spPr/>
+      </p:sp>
+      <p:sp>
+        <p:nvSpPr>
+          <p:cNvPr id="3" name="슬라이드 노트 개체 틀 2"/>
+          <p:cNvSpPr>
+            <a:spLocks noGrp="1"/>
+          </p:cNvSpPr>
+          <p:nvPr>
+            <p:ph type="body" idx="1"/>
+          </p:nvPr>
+        </p:nvSpPr>
+        <p:spPr/>
+        <p:txBody>
+          <a:bodyPr/>
+          <a:lstStyle/>
+          <a:p>
+            <a:r>
+              <a:rPr lang="ko-KR" altLang="en-US" dirty="0"/>
+              <a:t>저번주차에 있었던 라우터의 부가 기능에 대해 간단하게 설명하겠습니다</a:t>
+            </a:r>
+            <a:r>
+              <a:rPr lang="en-US" altLang="ko-KR" dirty="0"/>
+              <a:t>.</a:t>
+            </a:r>
+          </a:p>
+          <a:p>
+            <a:endParaRPr lang="en-US" altLang="ko-KR" dirty="0"/>
+          </a:p>
+          <a:p>
+            <a:r>
+              <a:rPr lang="ko-KR" altLang="en-US" dirty="0"/>
+              <a:t>주소 변환이라는 기능이 사용되게 된 이유는 </a:t>
+            </a:r>
+            <a:r>
+              <a:rPr lang="en-US" altLang="ko-KR" dirty="0"/>
+              <a:t>IP</a:t>
+            </a:r>
+            <a:r>
+              <a:rPr lang="ko-KR" altLang="en-US" dirty="0"/>
+              <a:t>주소의 부족함 입니다</a:t>
+            </a:r>
+            <a:r>
+              <a:rPr lang="en-US" altLang="ko-KR" dirty="0"/>
+              <a:t>. </a:t>
+            </a:r>
+            <a:r>
+              <a:rPr lang="ko-KR" altLang="en-US" dirty="0"/>
+              <a:t>그래서 프라이비트라는 주소를 정해 놓고 독립된 네트워크 별로 중복으로 사용할 수 있게 함으로서 </a:t>
+            </a:r>
+            <a:r>
+              <a:rPr lang="en-US" altLang="ko-KR" dirty="0"/>
+              <a:t>IP</a:t>
+            </a:r>
+            <a:r>
+              <a:rPr lang="ko-KR" altLang="en-US" dirty="0"/>
+              <a:t>주소의 포화상태를 해소할 수 있습니다</a:t>
+            </a:r>
+            <a:r>
+              <a:rPr lang="en-US" altLang="ko-KR" dirty="0"/>
+              <a:t>.</a:t>
+            </a:r>
+          </a:p>
+          <a:p>
+            <a:endParaRPr lang="en-US" altLang="ko-KR" dirty="0"/>
+          </a:p>
+          <a:p>
+            <a:r>
+              <a:rPr lang="ko-KR" altLang="en-US" dirty="0"/>
+              <a:t>그리고 데이터를 보내기 위해서는 사용하는 **네트워크 주소</a:t>
+            </a:r>
+            <a:r>
+              <a:rPr lang="en-US" altLang="ko-KR" dirty="0"/>
+              <a:t>(</a:t>
+            </a:r>
+            <a:r>
+              <a:rPr lang="ko-KR" altLang="en-US" dirty="0"/>
+              <a:t>글로벌 주소</a:t>
+            </a:r>
+            <a:r>
+              <a:rPr lang="en-US" altLang="ko-KR" dirty="0"/>
+              <a:t>) + </a:t>
+            </a:r>
+            <a:r>
+              <a:rPr lang="ko-KR" altLang="en-US" dirty="0"/>
+              <a:t>라우터의 의해 프라이비트 주소 </a:t>
+            </a:r>
+            <a:r>
+              <a:rPr lang="en-US" altLang="ko-KR" dirty="0"/>
+              <a:t>-&gt; </a:t>
+            </a:r>
+            <a:r>
+              <a:rPr lang="ko-KR" altLang="en-US" dirty="0"/>
+              <a:t>글로벌 주소로 변화된 사용자 주소**가 필요하다</a:t>
+            </a:r>
+            <a:r>
+              <a:rPr lang="en-US" altLang="ko-KR" dirty="0"/>
+              <a:t>.</a:t>
+            </a:r>
+            <a:endParaRPr lang="ko-KR" altLang="en-US" dirty="0"/>
+          </a:p>
+        </p:txBody>
+      </p:sp>
+      <p:sp>
+        <p:nvSpPr>
+          <p:cNvPr id="4" name="슬라이드 번호 개체 틀 3"/>
+          <p:cNvSpPr>
+            <a:spLocks noGrp="1"/>
+          </p:cNvSpPr>
+          <p:nvPr>
+            <p:ph type="sldNum" sz="quarter" idx="5"/>
+          </p:nvPr>
+        </p:nvSpPr>
+        <p:spPr/>
+        <p:txBody>
+          <a:bodyPr/>
+          <a:lstStyle/>
+          <a:p>
+            <a:fld id="{FD714C8C-8EF2-4694-8566-082A197CF473}" type="slidenum">
+              <a:rPr lang="ko-KR" altLang="en-US" smtClean="0"/>
+              <a:t>8</a:t>
+            </a:fld>
+            <a:endParaRPr lang="ko-KR" altLang="en-US"/>
+          </a:p>
+        </p:txBody>
+      </p:sp>
+    </p:spTree>
+    <p:extLst>
+      <p:ext uri="{BB962C8B-B14F-4D97-AF65-F5344CB8AC3E}">
+        <p14:creationId xmlns:p14="http://schemas.microsoft.com/office/powerpoint/2010/main" val="3787247397"/>
+      </p:ext>
+    </p:extLst>
+  </p:cSld>
+  <p:clrMapOvr>
+    <a:masterClrMapping/>
+  </p:clrMapOvr>
+</p:notes>
+</file>
+
 <file path=ppt/slideLayouts/slideLayout1.xml><?xml version="1.0" encoding="utf-8"?>
 <p:sldLayout xmlns:a="http://schemas.openxmlformats.org/drawingml/2006/main" xmlns:r="http://schemas.openxmlformats.org/officeDocument/2006/relationships" xmlns:p="http://schemas.openxmlformats.org/presentationml/2006/main" type="title" preserve="1">
   <p:cSld name="제목 슬라이드">
@@ -266,7 +1840,7 @@
           <a:p>
             <a:fld id="{35E87A9C-3629-4C00-B345-D33EEDCBC4E7}" type="datetimeFigureOut">
               <a:rPr lang="ko-KR" altLang="en-US" smtClean="0"/>
-              <a:t>2022-03-30</a:t>
+              <a:t>2022-03-31</a:t>
             </a:fld>
             <a:endParaRPr lang="ko-KR" altLang="en-US"/>
           </a:p>
@@ -464,7 +2038,7 @@
           <a:p>
             <a:fld id="{35E87A9C-3629-4C00-B345-D33EEDCBC4E7}" type="datetimeFigureOut">
               <a:rPr lang="ko-KR" altLang="en-US" smtClean="0"/>
-              <a:t>2022-03-30</a:t>
+              <a:t>2022-03-31</a:t>
             </a:fld>
             <a:endParaRPr lang="ko-KR" altLang="en-US"/>
           </a:p>
@@ -672,7 +2246,7 @@
           <a:p>
             <a:fld id="{35E87A9C-3629-4C00-B345-D33EEDCBC4E7}" type="datetimeFigureOut">
               <a:rPr lang="ko-KR" altLang="en-US" smtClean="0"/>
-              <a:t>2022-03-30</a:t>
+              <a:t>2022-03-31</a:t>
             </a:fld>
             <a:endParaRPr lang="ko-KR" altLang="en-US"/>
           </a:p>
@@ -870,7 +2444,7 @@
           <a:p>
             <a:fld id="{35E87A9C-3629-4C00-B345-D33EEDCBC4E7}" type="datetimeFigureOut">
               <a:rPr lang="ko-KR" altLang="en-US" smtClean="0"/>
-              <a:t>2022-03-30</a:t>
+              <a:t>2022-03-31</a:t>
             </a:fld>
             <a:endParaRPr lang="ko-KR" altLang="en-US"/>
           </a:p>
@@ -1145,7 +2719,7 @@
           <a:p>
             <a:fld id="{35E87A9C-3629-4C00-B345-D33EEDCBC4E7}" type="datetimeFigureOut">
               <a:rPr lang="ko-KR" altLang="en-US" smtClean="0"/>
-              <a:t>2022-03-30</a:t>
+              <a:t>2022-03-31</a:t>
             </a:fld>
             <a:endParaRPr lang="ko-KR" altLang="en-US"/>
           </a:p>
@@ -1410,7 +2984,7 @@
           <a:p>
             <a:fld id="{35E87A9C-3629-4C00-B345-D33EEDCBC4E7}" type="datetimeFigureOut">
               <a:rPr lang="ko-KR" altLang="en-US" smtClean="0"/>
-              <a:t>2022-03-30</a:t>
+              <a:t>2022-03-31</a:t>
             </a:fld>
             <a:endParaRPr lang="ko-KR" altLang="en-US"/>
           </a:p>
@@ -1822,7 +3396,7 @@
           <a:p>
             <a:fld id="{35E87A9C-3629-4C00-B345-D33EEDCBC4E7}" type="datetimeFigureOut">
               <a:rPr lang="ko-KR" altLang="en-US" smtClean="0"/>
-              <a:t>2022-03-30</a:t>
+              <a:t>2022-03-31</a:t>
             </a:fld>
             <a:endParaRPr lang="ko-KR" altLang="en-US"/>
           </a:p>
@@ -1963,7 +3537,7 @@
           <a:p>
             <a:fld id="{35E87A9C-3629-4C00-B345-D33EEDCBC4E7}" type="datetimeFigureOut">
               <a:rPr lang="ko-KR" altLang="en-US" smtClean="0"/>
-              <a:t>2022-03-30</a:t>
+              <a:t>2022-03-31</a:t>
             </a:fld>
             <a:endParaRPr lang="ko-KR" altLang="en-US"/>
           </a:p>
@@ -2076,7 +3650,7 @@
           <a:p>
             <a:fld id="{35E87A9C-3629-4C00-B345-D33EEDCBC4E7}" type="datetimeFigureOut">
               <a:rPr lang="ko-KR" altLang="en-US" smtClean="0"/>
-              <a:t>2022-03-30</a:t>
+              <a:t>2022-03-31</a:t>
             </a:fld>
             <a:endParaRPr lang="ko-KR" altLang="en-US"/>
           </a:p>
@@ -2387,7 +3961,7 @@
           <a:p>
             <a:fld id="{35E87A9C-3629-4C00-B345-D33EEDCBC4E7}" type="datetimeFigureOut">
               <a:rPr lang="ko-KR" altLang="en-US" smtClean="0"/>
-              <a:t>2022-03-30</a:t>
+              <a:t>2022-03-31</a:t>
             </a:fld>
             <a:endParaRPr lang="ko-KR" altLang="en-US"/>
           </a:p>
@@ -2675,7 +4249,7 @@
           <a:p>
             <a:fld id="{35E87A9C-3629-4C00-B345-D33EEDCBC4E7}" type="datetimeFigureOut">
               <a:rPr lang="ko-KR" altLang="en-US" smtClean="0"/>
-              <a:t>2022-03-30</a:t>
+              <a:t>2022-03-31</a:t>
             </a:fld>
             <a:endParaRPr lang="ko-KR" altLang="en-US"/>
           </a:p>
@@ -2916,7 +4490,7 @@
           <a:p>
             <a:fld id="{35E87A9C-3629-4C00-B345-D33EEDCBC4E7}" type="datetimeFigureOut">
               <a:rPr lang="ko-KR" altLang="en-US" smtClean="0"/>
-              <a:t>2022-03-30</a:t>
+              <a:t>2022-03-31</a:t>
             </a:fld>
             <a:endParaRPr lang="ko-KR" altLang="en-US"/>
           </a:p>
@@ -3920,7 +5494,7 @@
           <p:nvPr/>
         </p:nvPicPr>
         <p:blipFill>
-          <a:blip r:embed="rId2"/>
+          <a:blip r:embed="rId3"/>
           <a:stretch>
             <a:fillRect/>
           </a:stretch>
@@ -4013,7 +5587,7 @@
           <p:nvPr/>
         </p:nvPicPr>
         <p:blipFill>
-          <a:blip r:embed="rId2"/>
+          <a:blip r:embed="rId3"/>
           <a:stretch>
             <a:fillRect/>
           </a:stretch>
@@ -4114,7 +5688,7 @@
           <p:nvPr/>
         </p:nvPicPr>
         <p:blipFill>
-          <a:blip r:embed="rId2"/>
+          <a:blip r:embed="rId3"/>
           <a:stretch>
             <a:fillRect/>
           </a:stretch>
@@ -4220,13 +5794,13 @@
           <p:nvPr/>
         </p:nvPicPr>
         <p:blipFill>
-          <a:blip r:embed="rId2">
+          <a:blip r:embed="rId3">
             <a:extLst>
               <a:ext uri="{28A0092B-C50C-407E-A947-70E740481C1C}">
                 <a14:useLocalDpi xmlns:a14="http://schemas.microsoft.com/office/drawing/2010/main" val="0"/>
               </a:ext>
               <a:ext uri="{96DAC541-7B7A-43D3-8B79-37D633B846F1}">
-                <asvg:svgBlip xmlns:asvg="http://schemas.microsoft.com/office/drawing/2016/SVG/main" r:embed="rId3"/>
+                <asvg:svgBlip xmlns:asvg="http://schemas.microsoft.com/office/drawing/2016/SVG/main" r:embed="rId4"/>
               </a:ext>
             </a:extLst>
           </a:blip>
@@ -4259,13 +5833,13 @@
           <p:nvPr/>
         </p:nvPicPr>
         <p:blipFill>
-          <a:blip r:embed="rId4">
+          <a:blip r:embed="rId5">
             <a:extLst>
               <a:ext uri="{28A0092B-C50C-407E-A947-70E740481C1C}">
                 <a14:useLocalDpi xmlns:a14="http://schemas.microsoft.com/office/drawing/2010/main" val="0"/>
               </a:ext>
               <a:ext uri="{96DAC541-7B7A-43D3-8B79-37D633B846F1}">
-                <asvg:svgBlip xmlns:asvg="http://schemas.microsoft.com/office/drawing/2016/SVG/main" r:embed="rId5"/>
+                <asvg:svgBlip xmlns:asvg="http://schemas.microsoft.com/office/drawing/2016/SVG/main" r:embed="rId6"/>
               </a:ext>
             </a:extLst>
           </a:blip>
@@ -4298,13 +5872,13 @@
           <p:nvPr/>
         </p:nvPicPr>
         <p:blipFill>
-          <a:blip r:embed="rId6">
+          <a:blip r:embed="rId7">
             <a:extLst>
               <a:ext uri="{28A0092B-C50C-407E-A947-70E740481C1C}">
                 <a14:useLocalDpi xmlns:a14="http://schemas.microsoft.com/office/drawing/2010/main" val="0"/>
               </a:ext>
               <a:ext uri="{96DAC541-7B7A-43D3-8B79-37D633B846F1}">
-                <asvg:svgBlip xmlns:asvg="http://schemas.microsoft.com/office/drawing/2016/SVG/main" r:embed="rId7"/>
+                <asvg:svgBlip xmlns:asvg="http://schemas.microsoft.com/office/drawing/2016/SVG/main" r:embed="rId8"/>
               </a:ext>
             </a:extLst>
           </a:blip>
@@ -4337,13 +5911,13 @@
           <p:nvPr/>
         </p:nvPicPr>
         <p:blipFill>
-          <a:blip r:embed="rId8">
+          <a:blip r:embed="rId9">
             <a:extLst>
               <a:ext uri="{28A0092B-C50C-407E-A947-70E740481C1C}">
                 <a14:useLocalDpi xmlns:a14="http://schemas.microsoft.com/office/drawing/2010/main" val="0"/>
               </a:ext>
               <a:ext uri="{96DAC541-7B7A-43D3-8B79-37D633B846F1}">
-                <asvg:svgBlip xmlns:asvg="http://schemas.microsoft.com/office/drawing/2016/SVG/main" r:embed="rId9"/>
+                <asvg:svgBlip xmlns:asvg="http://schemas.microsoft.com/office/drawing/2016/SVG/main" r:embed="rId10"/>
               </a:ext>
             </a:extLst>
           </a:blip>
@@ -5096,7 +6670,7 @@
           <p:nvPr/>
         </p:nvPicPr>
         <p:blipFill>
-          <a:blip r:embed="rId2"/>
+          <a:blip r:embed="rId3"/>
           <a:stretch>
             <a:fillRect/>
           </a:stretch>
@@ -5417,4 +6991,299 @@
     </a:ext>
   </a:extLst>
 </a:theme>
+</file>
+
+<file path=ppt/theme/theme2.xml><?xml version="1.0" encoding="utf-8"?>
+<a:theme xmlns:a="http://schemas.openxmlformats.org/drawingml/2006/main" name="Office 테마">
+  <a:themeElements>
+    <a:clrScheme name="Office">
+      <a:dk1>
+        <a:sysClr val="windowText" lastClr="000000"/>
+      </a:dk1>
+      <a:lt1>
+        <a:sysClr val="window" lastClr="FFFFFF"/>
+      </a:lt1>
+      <a:dk2>
+        <a:srgbClr val="44546A"/>
+      </a:dk2>
+      <a:lt2>
+        <a:srgbClr val="E7E6E6"/>
+      </a:lt2>
+      <a:accent1>
+        <a:srgbClr val="4472C4"/>
+      </a:accent1>
+      <a:accent2>
+        <a:srgbClr val="ED7D31"/>
+      </a:accent2>
+      <a:accent3>
+        <a:srgbClr val="A5A5A5"/>
+      </a:accent3>
+      <a:accent4>
+        <a:srgbClr val="FFC000"/>
+      </a:accent4>
+      <a:accent5>
+        <a:srgbClr val="5B9BD5"/>
+      </a:accent5>
+      <a:accent6>
+        <a:srgbClr val="70AD47"/>
+      </a:accent6>
+      <a:hlink>
+        <a:srgbClr val="0563C1"/>
+      </a:hlink>
+      <a:folHlink>
+        <a:srgbClr val="954F72"/>
+      </a:folHlink>
+    </a:clrScheme>
+    <a:fontScheme name="Office">
+      <a:majorFont>
+        <a:latin typeface="맑은 고딕" panose="020F0302020204030204"/>
+        <a:ea typeface=""/>
+        <a:cs typeface=""/>
+        <a:font script="Jpan" typeface="游ゴシック Light"/>
+        <a:font script="Hang" typeface="맑은 고딕"/>
+        <a:font script="Hans" typeface="等线 Light"/>
+        <a:font script="Hant" typeface="新細明體"/>
+        <a:font script="Arab" typeface="Times New Roman"/>
+        <a:font script="Hebr" typeface="Times New Roman"/>
+        <a:font script="Thai" typeface="Angsana New"/>
+        <a:font script="Ethi" typeface="Nyala"/>
+        <a:font script="Beng" typeface="Vrinda"/>
+        <a:font script="Gujr" typeface="Shruti"/>
+        <a:font script="Khmr" typeface="MoolBoran"/>
+        <a:font script="Knda" typeface="Tunga"/>
+        <a:font script="Guru" typeface="Raavi"/>
+        <a:font script="Cans" typeface="Euphemia"/>
+        <a:font script="Cher" typeface="Plantagenet Cherokee"/>
+        <a:font script="Yiii" typeface="Microsoft Yi Baiti"/>
+        <a:font script="Tibt" typeface="Microsoft Himalaya"/>
+        <a:font script="Thaa" typeface="MV Boli"/>
+        <a:font script="Deva" typeface="Mangal"/>
+        <a:font script="Telu" typeface="Gautami"/>
+        <a:font script="Taml" typeface="Latha"/>
+        <a:font script="Syrc" typeface="Estrangelo Edessa"/>
+        <a:font script="Orya" typeface="Kalinga"/>
+        <a:font script="Mlym" typeface="Kartika"/>
+        <a:font script="Laoo" typeface="DokChampa"/>
+        <a:font script="Sinh" typeface="Iskoola Pota"/>
+        <a:font script="Mong" typeface="Mongolian Baiti"/>
+        <a:font script="Viet" typeface="Times New Roman"/>
+        <a:font script="Uigh" typeface="Microsoft Uighur"/>
+        <a:font script="Geor" typeface="Sylfaen"/>
+        <a:font script="Armn" typeface="Arial"/>
+        <a:font script="Bugi" typeface="Leelawadee UI"/>
+        <a:font script="Bopo" typeface="Microsoft JhengHei"/>
+        <a:font script="Java" typeface="Javanese Text"/>
+        <a:font script="Lisu" typeface="Segoe UI"/>
+        <a:font script="Mymr" typeface="Myanmar Text"/>
+        <a:font script="Nkoo" typeface="Ebrima"/>
+        <a:font script="Olck" typeface="Nirmala UI"/>
+        <a:font script="Osma" typeface="Ebrima"/>
+        <a:font script="Phag" typeface="Phagspa"/>
+        <a:font script="Syrn" typeface="Estrangelo Edessa"/>
+        <a:font script="Syrj" typeface="Estrangelo Edessa"/>
+        <a:font script="Syre" typeface="Estrangelo Edessa"/>
+        <a:font script="Sora" typeface="Nirmala UI"/>
+        <a:font script="Tale" typeface="Microsoft Tai Le"/>
+        <a:font script="Talu" typeface="Microsoft New Tai Lue"/>
+        <a:font script="Tfng" typeface="Ebrima"/>
+      </a:majorFont>
+      <a:minorFont>
+        <a:latin typeface="맑은 고딕" panose="020F0502020204030204"/>
+        <a:ea typeface=""/>
+        <a:cs typeface=""/>
+        <a:font script="Jpan" typeface="游ゴシック"/>
+        <a:font script="Hang" typeface="맑은 고딕"/>
+        <a:font script="Hans" typeface="等线"/>
+        <a:font script="Hant" typeface="新細明體"/>
+        <a:font script="Arab" typeface="Arial"/>
+        <a:font script="Hebr" typeface="Arial"/>
+        <a:font script="Thai" typeface="Cordia New"/>
+        <a:font script="Ethi" typeface="Nyala"/>
+        <a:font script="Beng" typeface="Vrinda"/>
+        <a:font script="Gujr" typeface="Shruti"/>
+        <a:font script="Khmr" typeface="DaunPenh"/>
+        <a:font script="Knda" typeface="Tunga"/>
+        <a:font script="Guru" typeface="Raavi"/>
+        <a:font script="Cans" typeface="Euphemia"/>
+        <a:font script="Cher" typeface="Plantagenet Cherokee"/>
+        <a:font script="Yiii" typeface="Microsoft Yi Baiti"/>
+        <a:font script="Tibt" typeface="Microsoft Himalaya"/>
+        <a:font script="Thaa" typeface="MV Boli"/>
+        <a:font script="Deva" typeface="Mangal"/>
+        <a:font script="Telu" typeface="Gautami"/>
+        <a:font script="Taml" typeface="Latha"/>
+        <a:font script="Syrc" typeface="Estrangelo Edessa"/>
+        <a:font script="Orya" typeface="Kalinga"/>
+        <a:font script="Mlym" typeface="Kartika"/>
+        <a:font script="Laoo" typeface="DokChampa"/>
+        <a:font script="Sinh" typeface="Iskoola Pota"/>
+        <a:font script="Mong" typeface="Mongolian Baiti"/>
+        <a:font script="Viet" typeface="Arial"/>
+        <a:font script="Uigh" typeface="Microsoft Uighur"/>
+        <a:font script="Geor" typeface="Sylfaen"/>
+        <a:font script="Armn" typeface="Arial"/>
+        <a:font script="Bugi" typeface="Leelawadee UI"/>
+        <a:font script="Bopo" typeface="Microsoft JhengHei"/>
+        <a:font script="Java" typeface="Javanese Text"/>
+        <a:font script="Lisu" typeface="Segoe UI"/>
+        <a:font script="Mymr" typeface="Myanmar Text"/>
+        <a:font script="Nkoo" typeface="Ebrima"/>
+        <a:font script="Olck" typeface="Nirmala UI"/>
+        <a:font script="Osma" typeface="Ebrima"/>
+        <a:font script="Phag" typeface="Phagspa"/>
+        <a:font script="Syrn" typeface="Estrangelo Edessa"/>
+        <a:font script="Syrj" typeface="Estrangelo Edessa"/>
+        <a:font script="Syre" typeface="Estrangelo Edessa"/>
+        <a:font script="Sora" typeface="Nirmala UI"/>
+        <a:font script="Tale" typeface="Microsoft Tai Le"/>
+        <a:font script="Talu" typeface="Microsoft New Tai Lue"/>
+        <a:font script="Tfng" typeface="Ebrima"/>
+      </a:minorFont>
+    </a:fontScheme>
+    <a:fmtScheme name="Office">
+      <a:fillStyleLst>
+        <a:solidFill>
+          <a:schemeClr val="phClr"/>
+        </a:solidFill>
+        <a:gradFill rotWithShape="1">
+          <a:gsLst>
+            <a:gs pos="0">
+              <a:schemeClr val="phClr">
+                <a:lumMod val="110000"/>
+                <a:satMod val="105000"/>
+                <a:tint val="67000"/>
+              </a:schemeClr>
+            </a:gs>
+            <a:gs pos="50000">
+              <a:schemeClr val="phClr">
+                <a:lumMod val="105000"/>
+                <a:satMod val="103000"/>
+                <a:tint val="73000"/>
+              </a:schemeClr>
+            </a:gs>
+            <a:gs pos="100000">
+              <a:schemeClr val="phClr">
+                <a:lumMod val="105000"/>
+                <a:satMod val="109000"/>
+                <a:tint val="81000"/>
+              </a:schemeClr>
+            </a:gs>
+          </a:gsLst>
+          <a:lin ang="5400000" scaled="0"/>
+        </a:gradFill>
+        <a:gradFill rotWithShape="1">
+          <a:gsLst>
+            <a:gs pos="0">
+              <a:schemeClr val="phClr">
+                <a:satMod val="103000"/>
+                <a:lumMod val="102000"/>
+                <a:tint val="94000"/>
+              </a:schemeClr>
+            </a:gs>
+            <a:gs pos="50000">
+              <a:schemeClr val="phClr">
+                <a:satMod val="110000"/>
+                <a:lumMod val="100000"/>
+                <a:shade val="100000"/>
+              </a:schemeClr>
+            </a:gs>
+            <a:gs pos="100000">
+              <a:schemeClr val="phClr">
+                <a:lumMod val="99000"/>
+                <a:satMod val="120000"/>
+                <a:shade val="78000"/>
+              </a:schemeClr>
+            </a:gs>
+          </a:gsLst>
+          <a:lin ang="5400000" scaled="0"/>
+        </a:gradFill>
+      </a:fillStyleLst>
+      <a:lnStyleLst>
+        <a:ln w="6350" cap="flat" cmpd="sng" algn="ctr">
+          <a:solidFill>
+            <a:schemeClr val="phClr"/>
+          </a:solidFill>
+          <a:prstDash val="solid"/>
+          <a:miter lim="800000"/>
+        </a:ln>
+        <a:ln w="12700" cap="flat" cmpd="sng" algn="ctr">
+          <a:solidFill>
+            <a:schemeClr val="phClr"/>
+          </a:solidFill>
+          <a:prstDash val="solid"/>
+          <a:miter lim="800000"/>
+        </a:ln>
+        <a:ln w="19050" cap="flat" cmpd="sng" algn="ctr">
+          <a:solidFill>
+            <a:schemeClr val="phClr"/>
+          </a:solidFill>
+          <a:prstDash val="solid"/>
+          <a:miter lim="800000"/>
+        </a:ln>
+      </a:lnStyleLst>
+      <a:effectStyleLst>
+        <a:effectStyle>
+          <a:effectLst/>
+        </a:effectStyle>
+        <a:effectStyle>
+          <a:effectLst/>
+        </a:effectStyle>
+        <a:effectStyle>
+          <a:effectLst>
+            <a:outerShdw blurRad="57150" dist="19050" dir="5400000" algn="ctr" rotWithShape="0">
+              <a:srgbClr val="000000">
+                <a:alpha val="63000"/>
+              </a:srgbClr>
+            </a:outerShdw>
+          </a:effectLst>
+        </a:effectStyle>
+      </a:effectStyleLst>
+      <a:bgFillStyleLst>
+        <a:solidFill>
+          <a:schemeClr val="phClr"/>
+        </a:solidFill>
+        <a:solidFill>
+          <a:schemeClr val="phClr">
+            <a:tint val="95000"/>
+            <a:satMod val="170000"/>
+          </a:schemeClr>
+        </a:solidFill>
+        <a:gradFill rotWithShape="1">
+          <a:gsLst>
+            <a:gs pos="0">
+              <a:schemeClr val="phClr">
+                <a:tint val="93000"/>
+                <a:satMod val="150000"/>
+                <a:shade val="98000"/>
+                <a:lumMod val="102000"/>
+              </a:schemeClr>
+            </a:gs>
+            <a:gs pos="50000">
+              <a:schemeClr val="phClr">
+                <a:tint val="98000"/>
+                <a:satMod val="130000"/>
+                <a:shade val="90000"/>
+                <a:lumMod val="103000"/>
+              </a:schemeClr>
+            </a:gs>
+            <a:gs pos="100000">
+              <a:schemeClr val="phClr">
+                <a:shade val="63000"/>
+                <a:satMod val="120000"/>
+              </a:schemeClr>
+            </a:gs>
+          </a:gsLst>
+          <a:lin ang="5400000" scaled="0"/>
+        </a:gradFill>
+      </a:bgFillStyleLst>
+    </a:fmtScheme>
+  </a:themeElements>
+  <a:objectDefaults/>
+  <a:extraClrSchemeLst/>
+  <a:extLst>
+    <a:ext uri="{05A4C25C-085E-4340-85A3-A5531E510DB2}">
+      <thm15:themeFamily xmlns:thm15="http://schemas.microsoft.com/office/thememl/2012/main" name="Office Theme" id="{62F939B6-93AF-4DB8-9C6B-D6C7DFDC589F}" vid="{4A3C46E8-61CC-4603-A589-7422A47A8E4A}"/>
+    </a:ext>
+  </a:extLst>
+</a:theme>
 </file>